--- a/PPT_SlipenskiOlga_MorariCorina_10B_SH.pptx
+++ b/PPT_SlipenskiOlga_MorariCorina_10B_SH.pptx
@@ -10,6 +10,7 @@
     <p:sldId id="258" r:id="rId4"/>
     <p:sldId id="259" r:id="rId5"/>
     <p:sldId id="260" r:id="rId6"/>
+    <p:sldId id="262" r:id="rId7"/>
   </p:sldIdLst>
   <p:sldSz cx="12192000" cy="6858000"/>
   <p:notesSz cx="6858000" cy="9144000"/>
@@ -108,6 +109,11 @@
       </a:defRPr>
     </a:lvl9pPr>
   </p:defaultTextStyle>
+  <p:extLst>
+    <p:ext uri="{EFAFB233-063F-42B5-8137-9DF3F51BA10A}">
+      <p15:sldGuideLst xmlns:p15="http://schemas.microsoft.com/office/powerpoint/2012/main"/>
+    </p:ext>
+  </p:extLst>
 </p:presentation>
 </file>
 
@@ -299,7 +305,7 @@
           <a:p>
             <a:fld id="{30A4C78F-89A8-4CB0-B4C3-C954DA9425D1}" type="datetimeFigureOut">
               <a:rPr lang="en-US" smtClean="0"/>
-              <a:t>4/23/2019</a:t>
+              <a:t>5/22/2019</a:t>
             </a:fld>
             <a:endParaRPr lang="en-US"/>
           </a:p>
@@ -637,7 +643,7 @@
           <a:p>
             <a:fld id="{30A4C78F-89A8-4CB0-B4C3-C954DA9425D1}" type="datetimeFigureOut">
               <a:rPr lang="en-US" smtClean="0"/>
-              <a:t>4/23/2019</a:t>
+              <a:t>5/22/2019</a:t>
             </a:fld>
             <a:endParaRPr lang="en-US"/>
           </a:p>
@@ -1038,7 +1044,7 @@
           <a:p>
             <a:fld id="{30A4C78F-89A8-4CB0-B4C3-C954DA9425D1}" type="datetimeFigureOut">
               <a:rPr lang="en-US" smtClean="0"/>
-              <a:t>4/23/2019</a:t>
+              <a:t>5/22/2019</a:t>
             </a:fld>
             <a:endParaRPr lang="en-US"/>
           </a:p>
@@ -1374,7 +1380,7 @@
           <a:p>
             <a:fld id="{30A4C78F-89A8-4CB0-B4C3-C954DA9425D1}" type="datetimeFigureOut">
               <a:rPr lang="en-US" smtClean="0"/>
-              <a:t>4/23/2019</a:t>
+              <a:t>5/22/2019</a:t>
             </a:fld>
             <a:endParaRPr lang="en-US"/>
           </a:p>
@@ -1694,7 +1700,7 @@
           <a:p>
             <a:fld id="{30A4C78F-89A8-4CB0-B4C3-C954DA9425D1}" type="datetimeFigureOut">
               <a:rPr lang="en-US" smtClean="0"/>
-              <a:t>4/23/2019</a:t>
+              <a:t>5/22/2019</a:t>
             </a:fld>
             <a:endParaRPr lang="en-US"/>
           </a:p>
@@ -2090,7 +2096,7 @@
           <a:p>
             <a:fld id="{30A4C78F-89A8-4CB0-B4C3-C954DA9425D1}" type="datetimeFigureOut">
               <a:rPr lang="en-US" smtClean="0"/>
-              <a:t>4/23/2019</a:t>
+              <a:t>5/22/2019</a:t>
             </a:fld>
             <a:endParaRPr lang="en-US"/>
           </a:p>
@@ -2347,7 +2353,7 @@
           <a:p>
             <a:fld id="{30A4C78F-89A8-4CB0-B4C3-C954DA9425D1}" type="datetimeFigureOut">
               <a:rPr lang="en-US" smtClean="0"/>
-              <a:t>4/23/2019</a:t>
+              <a:t>5/22/2019</a:t>
             </a:fld>
             <a:endParaRPr lang="en-US"/>
           </a:p>
@@ -2609,7 +2615,7 @@
           <a:p>
             <a:fld id="{30A4C78F-89A8-4CB0-B4C3-C954DA9425D1}" type="datetimeFigureOut">
               <a:rPr lang="en-US" smtClean="0"/>
-              <a:t>4/23/2019</a:t>
+              <a:t>5/22/2019</a:t>
             </a:fld>
             <a:endParaRPr lang="en-US"/>
           </a:p>
@@ -2871,7 +2877,7 @@
           <a:p>
             <a:fld id="{30A4C78F-89A8-4CB0-B4C3-C954DA9425D1}" type="datetimeFigureOut">
               <a:rPr lang="en-US" smtClean="0"/>
-              <a:t>4/23/2019</a:t>
+              <a:t>5/22/2019</a:t>
             </a:fld>
             <a:endParaRPr lang="en-US"/>
           </a:p>
@@ -3200,7 +3206,7 @@
           <a:p>
             <a:fld id="{30A4C78F-89A8-4CB0-B4C3-C954DA9425D1}" type="datetimeFigureOut">
               <a:rPr lang="en-US" smtClean="0"/>
-              <a:t>4/23/2019</a:t>
+              <a:t>5/22/2019</a:t>
             </a:fld>
             <a:endParaRPr lang="en-US"/>
           </a:p>
@@ -3523,7 +3529,7 @@
           <a:p>
             <a:fld id="{30A4C78F-89A8-4CB0-B4C3-C954DA9425D1}" type="datetimeFigureOut">
               <a:rPr lang="en-US" smtClean="0"/>
-              <a:t>4/23/2019</a:t>
+              <a:t>5/22/2019</a:t>
             </a:fld>
             <a:endParaRPr lang="en-US"/>
           </a:p>
@@ -3980,7 +3986,7 @@
           <a:p>
             <a:fld id="{30A4C78F-89A8-4CB0-B4C3-C954DA9425D1}" type="datetimeFigureOut">
               <a:rPr lang="en-US" smtClean="0"/>
-              <a:t>4/23/2019</a:t>
+              <a:t>5/22/2019</a:t>
             </a:fld>
             <a:endParaRPr lang="en-US"/>
           </a:p>
@@ -4185,7 +4191,7 @@
           <a:p>
             <a:fld id="{30A4C78F-89A8-4CB0-B4C3-C954DA9425D1}" type="datetimeFigureOut">
               <a:rPr lang="en-US" smtClean="0"/>
-              <a:t>4/23/2019</a:t>
+              <a:t>5/22/2019</a:t>
             </a:fld>
             <a:endParaRPr lang="en-US"/>
           </a:p>
@@ -4362,7 +4368,7 @@
           <a:p>
             <a:fld id="{30A4C78F-89A8-4CB0-B4C3-C954DA9425D1}" type="datetimeFigureOut">
               <a:rPr lang="en-US" smtClean="0"/>
-              <a:t>4/23/2019</a:t>
+              <a:t>5/22/2019</a:t>
             </a:fld>
             <a:endParaRPr lang="en-US"/>
           </a:p>
@@ -4695,7 +4701,7 @@
           <a:p>
             <a:fld id="{30A4C78F-89A8-4CB0-B4C3-C954DA9425D1}" type="datetimeFigureOut">
               <a:rPr lang="en-US" smtClean="0"/>
-              <a:t>4/23/2019</a:t>
+              <a:t>5/22/2019</a:t>
             </a:fld>
             <a:endParaRPr lang="en-US"/>
           </a:p>
@@ -5040,7 +5046,7 @@
           <a:p>
             <a:fld id="{30A4C78F-89A8-4CB0-B4C3-C954DA9425D1}" type="datetimeFigureOut">
               <a:rPr lang="en-US" smtClean="0"/>
-              <a:t>4/23/2019</a:t>
+              <a:t>5/22/2019</a:t>
             </a:fld>
             <a:endParaRPr lang="en-US"/>
           </a:p>
@@ -7157,7 +7163,7 @@
           <a:p>
             <a:fld id="{30A4C78F-89A8-4CB0-B4C3-C954DA9425D1}" type="datetimeFigureOut">
               <a:rPr lang="en-US" smtClean="0"/>
-              <a:t>4/23/2019</a:t>
+              <a:t>5/22/2019</a:t>
             </a:fld>
             <a:endParaRPr lang="en-US"/>
           </a:p>
@@ -11015,6 +11021,413 @@
 </p:sld>
 </file>
 
+<file path=ppt/slides/slide6.xml><?xml version="1.0" encoding="utf-8"?>
+<p:sld xmlns:a="http://schemas.openxmlformats.org/drawingml/2006/main" xmlns:r="http://schemas.openxmlformats.org/officeDocument/2006/relationships" xmlns:p="http://schemas.openxmlformats.org/presentationml/2006/main">
+  <p:cSld>
+    <p:spTree>
+      <p:nvGrpSpPr>
+        <p:cNvPr id="1" name=""/>
+        <p:cNvGrpSpPr/>
+        <p:nvPr/>
+      </p:nvGrpSpPr>
+      <p:grpSpPr>
+        <a:xfrm>
+          <a:off x="0" y="0"/>
+          <a:ext cx="0" cy="0"/>
+          <a:chOff x="0" y="0"/>
+          <a:chExt cx="0" cy="0"/>
+        </a:xfrm>
+      </p:grpSpPr>
+      <p:sp>
+        <p:nvSpPr>
+          <p:cNvPr id="2" name="Заголовок 1"/>
+          <p:cNvSpPr>
+            <a:spLocks noGrp="1"/>
+          </p:cNvSpPr>
+          <p:nvPr>
+            <p:ph type="title"/>
+          </p:nvPr>
+        </p:nvSpPr>
+        <p:spPr>
+          <a:xfrm>
+            <a:off x="1844842" y="624110"/>
+            <a:ext cx="10347158" cy="1280890"/>
+          </a:xfrm>
+        </p:spPr>
+        <p:txBody>
+          <a:bodyPr>
+            <a:noAutofit/>
+          </a:bodyPr>
+          <a:lstStyle/>
+          <a:p>
+            <a:r>
+              <a:rPr lang="en-US" sz="4000" dirty="0" err="1">
+                <a:latin typeface="Comic Sans MS" panose="030F0702030302020204" pitchFamily="66" charset="0"/>
+              </a:rPr>
+              <a:t>Pentru</a:t>
+            </a:r>
+            <a:r>
+              <a:rPr lang="en-US" sz="4000" dirty="0">
+                <a:latin typeface="Comic Sans MS" panose="030F0702030302020204" pitchFamily="66" charset="0"/>
+              </a:rPr>
+              <a:t> a </a:t>
+            </a:r>
+            <a:r>
+              <a:rPr lang="en-US" sz="4000" dirty="0" err="1">
+                <a:latin typeface="Comic Sans MS" panose="030F0702030302020204" pitchFamily="66" charset="0"/>
+              </a:rPr>
+              <a:t>rezolva</a:t>
+            </a:r>
+            <a:r>
+              <a:rPr lang="en-US" sz="4000" dirty="0">
+                <a:latin typeface="Comic Sans MS" panose="030F0702030302020204" pitchFamily="66" charset="0"/>
+              </a:rPr>
+              <a:t> o </a:t>
+            </a:r>
+            <a:r>
+              <a:rPr lang="en-US" sz="4000" dirty="0" err="1">
+                <a:latin typeface="Comic Sans MS" panose="030F0702030302020204" pitchFamily="66" charset="0"/>
+              </a:rPr>
+              <a:t>problemă</a:t>
+            </a:r>
+            <a:r>
+              <a:rPr lang="en-US" sz="4000" dirty="0">
+                <a:latin typeface="Comic Sans MS" panose="030F0702030302020204" pitchFamily="66" charset="0"/>
+              </a:rPr>
+              <a:t>, </a:t>
+            </a:r>
+            <a:r>
+              <a:rPr lang="en-US" sz="4000" dirty="0" err="1">
+                <a:latin typeface="Comic Sans MS" panose="030F0702030302020204" pitchFamily="66" charset="0"/>
+              </a:rPr>
+              <a:t>calculatorul</a:t>
+            </a:r>
+            <a:r>
+              <a:rPr lang="en-US" sz="4000" dirty="0">
+                <a:latin typeface="Comic Sans MS" panose="030F0702030302020204" pitchFamily="66" charset="0"/>
+              </a:rPr>
+              <a:t> </a:t>
+            </a:r>
+            <a:r>
+              <a:rPr lang="en-US" sz="4000" dirty="0" err="1">
+                <a:latin typeface="Comic Sans MS" panose="030F0702030302020204" pitchFamily="66" charset="0"/>
+              </a:rPr>
+              <a:t>trebuie</a:t>
+            </a:r>
+            <a:r>
+              <a:rPr lang="en-US" sz="4000" dirty="0">
+                <a:latin typeface="Comic Sans MS" panose="030F0702030302020204" pitchFamily="66" charset="0"/>
+              </a:rPr>
+              <a:t> </a:t>
+            </a:r>
+            <a:r>
+              <a:rPr lang="en-US" sz="4000" dirty="0" err="1">
+                <a:latin typeface="Comic Sans MS" panose="030F0702030302020204" pitchFamily="66" charset="0"/>
+              </a:rPr>
+              <a:t>să</a:t>
+            </a:r>
+            <a:r>
+              <a:rPr lang="en-US" sz="4000" dirty="0">
+                <a:latin typeface="Comic Sans MS" panose="030F0702030302020204" pitchFamily="66" charset="0"/>
+              </a:rPr>
+              <a:t> </a:t>
+            </a:r>
+            <a:r>
+              <a:rPr lang="en-US" sz="4000" dirty="0" err="1">
+                <a:latin typeface="Comic Sans MS" panose="030F0702030302020204" pitchFamily="66" charset="0"/>
+              </a:rPr>
+              <a:t>cunoască</a:t>
+            </a:r>
+            <a:r>
+              <a:rPr lang="en-US" sz="4000" dirty="0">
+                <a:latin typeface="Comic Sans MS" panose="030F0702030302020204" pitchFamily="66" charset="0"/>
+              </a:rPr>
+              <a:t>, </a:t>
+            </a:r>
+            <a:r>
+              <a:rPr lang="en-US" sz="4000" dirty="0" err="1">
+                <a:latin typeface="Comic Sans MS" panose="030F0702030302020204" pitchFamily="66" charset="0"/>
+              </a:rPr>
+              <a:t>în</a:t>
+            </a:r>
+            <a:r>
+              <a:rPr lang="en-US" sz="4000" dirty="0">
+                <a:latin typeface="Comic Sans MS" panose="030F0702030302020204" pitchFamily="66" charset="0"/>
+              </a:rPr>
+              <a:t> </a:t>
+            </a:r>
+            <a:r>
+              <a:rPr lang="en-US" sz="4000" dirty="0" err="1">
+                <a:latin typeface="Comic Sans MS" panose="030F0702030302020204" pitchFamily="66" charset="0"/>
+              </a:rPr>
+              <a:t>fiecare</a:t>
+            </a:r>
+            <a:r>
+              <a:rPr lang="en-US" sz="4000" dirty="0">
+                <a:latin typeface="Comic Sans MS" panose="030F0702030302020204" pitchFamily="66" charset="0"/>
+              </a:rPr>
+              <a:t> moment, </a:t>
+            </a:r>
+            <a:r>
+              <a:rPr lang="en-US" sz="4000" dirty="0" err="1">
+                <a:latin typeface="Comic Sans MS" panose="030F0702030302020204" pitchFamily="66" charset="0"/>
+              </a:rPr>
+              <a:t>atît</a:t>
+            </a:r>
+            <a:r>
+              <a:rPr lang="en-US" sz="4000" dirty="0">
+                <a:latin typeface="Comic Sans MS" panose="030F0702030302020204" pitchFamily="66" charset="0"/>
+              </a:rPr>
+              <a:t> </a:t>
+            </a:r>
+            <a:r>
+              <a:rPr lang="en-US" sz="4000" dirty="0" err="1">
+                <a:latin typeface="Comic Sans MS" panose="030F0702030302020204" pitchFamily="66" charset="0"/>
+              </a:rPr>
+              <a:t>operaţia</a:t>
+            </a:r>
+            <a:r>
+              <a:rPr lang="en-US" sz="4000" dirty="0">
+                <a:latin typeface="Comic Sans MS" panose="030F0702030302020204" pitchFamily="66" charset="0"/>
+              </a:rPr>
+              <a:t> </a:t>
+            </a:r>
+            <a:r>
+              <a:rPr lang="en-US" sz="4000" dirty="0" err="1">
+                <a:latin typeface="Comic Sans MS" panose="030F0702030302020204" pitchFamily="66" charset="0"/>
+              </a:rPr>
+              <a:t>pe</a:t>
+            </a:r>
+            <a:r>
+              <a:rPr lang="en-US" sz="4000" dirty="0">
+                <a:latin typeface="Comic Sans MS" panose="030F0702030302020204" pitchFamily="66" charset="0"/>
+              </a:rPr>
+              <a:t> care </a:t>
+            </a:r>
+            <a:r>
+              <a:rPr lang="en-US" sz="4000" dirty="0" err="1">
+                <a:latin typeface="Comic Sans MS" panose="030F0702030302020204" pitchFamily="66" charset="0"/>
+              </a:rPr>
+              <a:t>urmează</a:t>
+            </a:r>
+            <a:r>
+              <a:rPr lang="en-US" sz="4000" dirty="0">
+                <a:latin typeface="Comic Sans MS" panose="030F0702030302020204" pitchFamily="66" charset="0"/>
+              </a:rPr>
+              <a:t> </a:t>
+            </a:r>
+            <a:r>
+              <a:rPr lang="en-US" sz="4000" dirty="0" err="1">
+                <a:latin typeface="Comic Sans MS" panose="030F0702030302020204" pitchFamily="66" charset="0"/>
+              </a:rPr>
+              <a:t>să</a:t>
+            </a:r>
+            <a:r>
+              <a:rPr lang="en-US" sz="4000" dirty="0">
+                <a:latin typeface="Comic Sans MS" panose="030F0702030302020204" pitchFamily="66" charset="0"/>
+              </a:rPr>
+              <a:t> o execute, </a:t>
+            </a:r>
+            <a:r>
+              <a:rPr lang="en-US" sz="4000" dirty="0" err="1">
+                <a:latin typeface="Comic Sans MS" panose="030F0702030302020204" pitchFamily="66" charset="0"/>
+              </a:rPr>
+              <a:t>cît</a:t>
+            </a:r>
+            <a:r>
+              <a:rPr lang="en-US" sz="4000" dirty="0">
+                <a:latin typeface="Comic Sans MS" panose="030F0702030302020204" pitchFamily="66" charset="0"/>
+              </a:rPr>
+              <a:t> </a:t>
+            </a:r>
+            <a:r>
+              <a:rPr lang="en-US" sz="4000" dirty="0" err="1">
+                <a:latin typeface="Comic Sans MS" panose="030F0702030302020204" pitchFamily="66" charset="0"/>
+              </a:rPr>
+              <a:t>şi</a:t>
+            </a:r>
+            <a:r>
+              <a:rPr lang="en-US" sz="4000" dirty="0">
+                <a:latin typeface="Comic Sans MS" panose="030F0702030302020204" pitchFamily="66" charset="0"/>
+              </a:rPr>
+              <a:t> </a:t>
+            </a:r>
+            <a:r>
+              <a:rPr lang="en-US" sz="4000" dirty="0" err="1">
+                <a:latin typeface="Comic Sans MS" panose="030F0702030302020204" pitchFamily="66" charset="0"/>
+              </a:rPr>
+              <a:t>datele</a:t>
+            </a:r>
+            <a:r>
+              <a:rPr lang="en-US" sz="4000" dirty="0">
+                <a:latin typeface="Comic Sans MS" panose="030F0702030302020204" pitchFamily="66" charset="0"/>
+              </a:rPr>
+              <a:t> care </a:t>
+            </a:r>
+            <a:r>
+              <a:rPr lang="en-US" sz="4000" dirty="0" err="1">
+                <a:latin typeface="Comic Sans MS" panose="030F0702030302020204" pitchFamily="66" charset="0"/>
+              </a:rPr>
+              <a:t>participă</a:t>
+            </a:r>
+            <a:r>
+              <a:rPr lang="en-US" sz="4000" dirty="0">
+                <a:latin typeface="Comic Sans MS" panose="030F0702030302020204" pitchFamily="66" charset="0"/>
+              </a:rPr>
+              <a:t> </a:t>
+            </a:r>
+            <a:r>
+              <a:rPr lang="en-US" sz="4000" dirty="0" err="1">
+                <a:latin typeface="Comic Sans MS" panose="030F0702030302020204" pitchFamily="66" charset="0"/>
+              </a:rPr>
+              <a:t>în</a:t>
+            </a:r>
+            <a:r>
+              <a:rPr lang="en-US" sz="4000" dirty="0">
+                <a:latin typeface="Comic Sans MS" panose="030F0702030302020204" pitchFamily="66" charset="0"/>
+              </a:rPr>
+              <a:t> </a:t>
+            </a:r>
+            <a:r>
+              <a:rPr lang="en-US" sz="4000" dirty="0" err="1">
+                <a:latin typeface="Comic Sans MS" panose="030F0702030302020204" pitchFamily="66" charset="0"/>
+              </a:rPr>
+              <a:t>operaţie</a:t>
+            </a:r>
+            <a:r>
+              <a:rPr lang="en-US" sz="4000" dirty="0" smtClean="0">
+                <a:latin typeface="Comic Sans MS" panose="030F0702030302020204" pitchFamily="66" charset="0"/>
+              </a:rPr>
+              <a:t>.</a:t>
+            </a:r>
+            <a:br>
+              <a:rPr lang="en-US" sz="4000" dirty="0" smtClean="0">
+                <a:latin typeface="Comic Sans MS" panose="030F0702030302020204" pitchFamily="66" charset="0"/>
+              </a:rPr>
+            </a:br>
+            <a:r>
+              <a:rPr lang="en-US" sz="4000" dirty="0">
+                <a:latin typeface="Comic Sans MS" panose="030F0702030302020204" pitchFamily="66" charset="0"/>
+              </a:rPr>
+              <a:t/>
+            </a:r>
+            <a:br>
+              <a:rPr lang="en-US" sz="4000" dirty="0">
+                <a:latin typeface="Comic Sans MS" panose="030F0702030302020204" pitchFamily="66" charset="0"/>
+              </a:rPr>
+            </a:br>
+            <a:r>
+              <a:rPr lang="en-US" sz="4000" dirty="0" err="1">
+                <a:latin typeface="Comic Sans MS" panose="030F0702030302020204" pitchFamily="66" charset="0"/>
+              </a:rPr>
+              <a:t>Aceste</a:t>
+            </a:r>
+            <a:r>
+              <a:rPr lang="en-US" sz="4000" dirty="0">
+                <a:latin typeface="Comic Sans MS" panose="030F0702030302020204" pitchFamily="66" charset="0"/>
+              </a:rPr>
+              <a:t> </a:t>
+            </a:r>
+            <a:r>
+              <a:rPr lang="en-US" sz="4000" dirty="0" err="1">
+                <a:latin typeface="Comic Sans MS" panose="030F0702030302020204" pitchFamily="66" charset="0"/>
+              </a:rPr>
+              <a:t>lucruri</a:t>
+            </a:r>
+            <a:r>
+              <a:rPr lang="en-US" sz="4000" dirty="0">
+                <a:latin typeface="Comic Sans MS" panose="030F0702030302020204" pitchFamily="66" charset="0"/>
+              </a:rPr>
+              <a:t> </a:t>
+            </a:r>
+            <a:r>
+              <a:rPr lang="en-US" sz="4000" dirty="0" err="1">
+                <a:latin typeface="Comic Sans MS" panose="030F0702030302020204" pitchFamily="66" charset="0"/>
+              </a:rPr>
+              <a:t>sînt</a:t>
+            </a:r>
+            <a:r>
+              <a:rPr lang="en-US" sz="4000" dirty="0">
+                <a:latin typeface="Comic Sans MS" panose="030F0702030302020204" pitchFamily="66" charset="0"/>
+              </a:rPr>
+              <a:t> </a:t>
+            </a:r>
+            <a:r>
+              <a:rPr lang="en-US" sz="4000" dirty="0" err="1">
+                <a:latin typeface="Comic Sans MS" panose="030F0702030302020204" pitchFamily="66" charset="0"/>
+              </a:rPr>
+              <a:t>comunicate</a:t>
+            </a:r>
+            <a:r>
+              <a:rPr lang="en-US" sz="4000" dirty="0">
+                <a:latin typeface="Comic Sans MS" panose="030F0702030302020204" pitchFamily="66" charset="0"/>
+              </a:rPr>
+              <a:t> </a:t>
+            </a:r>
+            <a:r>
+              <a:rPr lang="en-US" sz="4000" dirty="0" err="1">
+                <a:latin typeface="Comic Sans MS" panose="030F0702030302020204" pitchFamily="66" charset="0"/>
+              </a:rPr>
+              <a:t>calculatorului</a:t>
+            </a:r>
+            <a:r>
+              <a:rPr lang="en-US" sz="4000" dirty="0">
+                <a:latin typeface="Comic Sans MS" panose="030F0702030302020204" pitchFamily="66" charset="0"/>
+              </a:rPr>
+              <a:t> </a:t>
+            </a:r>
+            <a:r>
+              <a:rPr lang="en-US" sz="4000" dirty="0" err="1">
+                <a:latin typeface="Comic Sans MS" panose="030F0702030302020204" pitchFamily="66" charset="0"/>
+              </a:rPr>
+              <a:t>prin</a:t>
+            </a:r>
+            <a:r>
+              <a:rPr lang="en-US" sz="4000" dirty="0">
+                <a:latin typeface="Comic Sans MS" panose="030F0702030302020204" pitchFamily="66" charset="0"/>
+              </a:rPr>
+              <a:t> </a:t>
+            </a:r>
+            <a:r>
+              <a:rPr lang="en-US" sz="4000" dirty="0" err="1">
+                <a:latin typeface="Comic Sans MS" panose="030F0702030302020204" pitchFamily="66" charset="0"/>
+              </a:rPr>
+              <a:t>intermediul</a:t>
+            </a:r>
+            <a:r>
+              <a:rPr lang="en-US" sz="4000" dirty="0">
+                <a:latin typeface="Comic Sans MS" panose="030F0702030302020204" pitchFamily="66" charset="0"/>
+              </a:rPr>
+              <a:t> </a:t>
+            </a:r>
+            <a:r>
+              <a:rPr lang="en-US" sz="4800" dirty="0" err="1">
+                <a:latin typeface="Comic Sans MS" panose="030F0702030302020204" pitchFamily="66" charset="0"/>
+              </a:rPr>
+              <a:t>instrucţiunilor</a:t>
+            </a:r>
+            <a:r>
+              <a:rPr lang="en-US" sz="4800" dirty="0">
+                <a:latin typeface="Comic Sans MS" panose="030F0702030302020204" pitchFamily="66" charset="0"/>
+              </a:rPr>
+              <a:t>.</a:t>
+            </a:r>
+          </a:p>
+        </p:txBody>
+      </p:sp>
+    </p:spTree>
+    <p:extLst>
+      <p:ext uri="{BB962C8B-B14F-4D97-AF65-F5344CB8AC3E}">
+        <p14:creationId xmlns:p14="http://schemas.microsoft.com/office/powerpoint/2010/main" val="746416323"/>
+      </p:ext>
+    </p:extLst>
+  </p:cSld>
+  <p:clrMapOvr>
+    <a:masterClrMapping/>
+  </p:clrMapOvr>
+</p:sld>
+</file>
+
 <file path=ppt/theme/theme1.xml><?xml version="1.0" encoding="utf-8"?>
 <a:theme xmlns:a="http://schemas.openxmlformats.org/drawingml/2006/main" name="Легкий дым">
   <a:themeElements>
